--- a/Java Workshop.pptx
+++ b/Java Workshop.pptx
@@ -29,9 +29,9 @@
     <p:sldId id="283" r:id="rId23"/>
     <p:sldId id="264" r:id="rId24"/>
     <p:sldId id="269" r:id="rId25"/>
-    <p:sldId id="271" r:id="rId26"/>
-    <p:sldId id="272" r:id="rId27"/>
-    <p:sldId id="285" r:id="rId28"/>
+    <p:sldId id="285" r:id="rId26"/>
+    <p:sldId id="271" r:id="rId27"/>
+    <p:sldId id="272" r:id="rId28"/>
     <p:sldId id="287" r:id="rId29"/>
     <p:sldId id="288" r:id="rId30"/>
     <p:sldId id="286" r:id="rId31"/>
@@ -146,6 +146,10 @@
 </p:presentation>
 </file>
 
+<file path=ppt/revisionInfo.xml><?xml version="1.0" encoding="utf-8"?>
+<p1510:revInfo xmlns:a="http://schemas.openxmlformats.org/drawingml/2006/main" xmlns:r="http://schemas.openxmlformats.org/officeDocument/2006/relationships" xmlns:p1510="http://schemas.microsoft.com/office/powerpoint/2015/10/main"/>
+</file>
+
 <file path=ppt/slideLayouts/slideLayout1.xml><?xml version="1.0" encoding="utf-8"?>
 <p:sldLayout xmlns:a="http://schemas.openxmlformats.org/drawingml/2006/main" xmlns:r="http://schemas.openxmlformats.org/officeDocument/2006/relationships" xmlns:p="http://schemas.openxmlformats.org/presentationml/2006/main" type="title" preserve="1">
   <p:cSld name="Title Slide">
@@ -309,7 +313,7 @@
           <a:p>
             <a:fld id="{89C82DE2-D4C0-4E3F-89D8-A9F2EF9CDCD0}" type="datetimeFigureOut">
               <a:rPr lang="en-CA" smtClean="0"/>
-              <a:t>2018-04-24</a:t>
+              <a:t>2018-04-25</a:t>
             </a:fld>
             <a:endParaRPr lang="en-CA"/>
           </a:p>
@@ -479,7 +483,7 @@
           <a:p>
             <a:fld id="{89C82DE2-D4C0-4E3F-89D8-A9F2EF9CDCD0}" type="datetimeFigureOut">
               <a:rPr lang="en-CA" smtClean="0"/>
-              <a:t>2018-04-24</a:t>
+              <a:t>2018-04-25</a:t>
             </a:fld>
             <a:endParaRPr lang="en-CA"/>
           </a:p>
@@ -659,7 +663,7 @@
           <a:p>
             <a:fld id="{89C82DE2-D4C0-4E3F-89D8-A9F2EF9CDCD0}" type="datetimeFigureOut">
               <a:rPr lang="en-CA" smtClean="0"/>
-              <a:t>2018-04-24</a:t>
+              <a:t>2018-04-25</a:t>
             </a:fld>
             <a:endParaRPr lang="en-CA"/>
           </a:p>
@@ -829,7 +833,7 @@
           <a:p>
             <a:fld id="{89C82DE2-D4C0-4E3F-89D8-A9F2EF9CDCD0}" type="datetimeFigureOut">
               <a:rPr lang="en-CA" smtClean="0"/>
-              <a:t>2018-04-24</a:t>
+              <a:t>2018-04-25</a:t>
             </a:fld>
             <a:endParaRPr lang="en-CA"/>
           </a:p>
@@ -1097,7 +1101,7 @@
           <a:p>
             <a:fld id="{89C82DE2-D4C0-4E3F-89D8-A9F2EF9CDCD0}" type="datetimeFigureOut">
               <a:rPr lang="en-CA" smtClean="0"/>
-              <a:t>2018-04-24</a:t>
+              <a:t>2018-04-25</a:t>
             </a:fld>
             <a:endParaRPr lang="en-CA"/>
           </a:p>
@@ -1329,7 +1333,7 @@
           <a:p>
             <a:fld id="{89C82DE2-D4C0-4E3F-89D8-A9F2EF9CDCD0}" type="datetimeFigureOut">
               <a:rPr lang="en-CA" smtClean="0"/>
-              <a:t>2018-04-24</a:t>
+              <a:t>2018-04-25</a:t>
             </a:fld>
             <a:endParaRPr lang="en-CA"/>
           </a:p>
@@ -1688,7 +1692,7 @@
           <a:p>
             <a:fld id="{89C82DE2-D4C0-4E3F-89D8-A9F2EF9CDCD0}" type="datetimeFigureOut">
               <a:rPr lang="en-CA" smtClean="0"/>
-              <a:t>2018-04-24</a:t>
+              <a:t>2018-04-25</a:t>
             </a:fld>
             <a:endParaRPr lang="en-CA"/>
           </a:p>
@@ -1829,7 +1833,7 @@
           <a:p>
             <a:fld id="{89C82DE2-D4C0-4E3F-89D8-A9F2EF9CDCD0}" type="datetimeFigureOut">
               <a:rPr lang="en-CA" smtClean="0"/>
-              <a:t>2018-04-24</a:t>
+              <a:t>2018-04-25</a:t>
             </a:fld>
             <a:endParaRPr lang="en-CA"/>
           </a:p>
@@ -1924,7 +1928,7 @@
           <a:p>
             <a:fld id="{89C82DE2-D4C0-4E3F-89D8-A9F2EF9CDCD0}" type="datetimeFigureOut">
               <a:rPr lang="en-CA" smtClean="0"/>
-              <a:t>2018-04-24</a:t>
+              <a:t>2018-04-25</a:t>
             </a:fld>
             <a:endParaRPr lang="en-CA"/>
           </a:p>
@@ -2281,7 +2285,7 @@
           <a:p>
             <a:fld id="{89C82DE2-D4C0-4E3F-89D8-A9F2EF9CDCD0}" type="datetimeFigureOut">
               <a:rPr lang="en-CA" smtClean="0"/>
-              <a:t>2018-04-24</a:t>
+              <a:t>2018-04-25</a:t>
             </a:fld>
             <a:endParaRPr lang="en-CA"/>
           </a:p>
@@ -2638,7 +2642,7 @@
           <a:p>
             <a:fld id="{89C82DE2-D4C0-4E3F-89D8-A9F2EF9CDCD0}" type="datetimeFigureOut">
               <a:rPr lang="en-CA" smtClean="0"/>
-              <a:t>2018-04-24</a:t>
+              <a:t>2018-04-25</a:t>
             </a:fld>
             <a:endParaRPr lang="en-CA"/>
           </a:p>
@@ -2879,7 +2883,7 @@
           <a:p>
             <a:fld id="{89C82DE2-D4C0-4E3F-89D8-A9F2EF9CDCD0}" type="datetimeFigureOut">
               <a:rPr lang="en-CA" smtClean="0"/>
-              <a:t>2018-04-24</a:t>
+              <a:t>2018-04-25</a:t>
             </a:fld>
             <a:endParaRPr lang="en-CA"/>
           </a:p>
@@ -7935,7 +7939,7 @@
           <p:cNvPr id="2" name="Title 1">
             <a:extLst>
               <a:ext uri="{FF2B5EF4-FFF2-40B4-BE49-F238E27FC236}">
-                <a16:creationId xmlns:a16="http://schemas.microsoft.com/office/drawing/2014/main" id="{AB48E2D7-871C-439E-858D-FFAAA7DBDA2A}"/>
+                <a16:creationId xmlns:a16="http://schemas.microsoft.com/office/drawing/2014/main" id="{14B55DA7-C039-4C9B-A05C-0F440122F3A8}"/>
               </a:ext>
             </a:extLst>
           </p:cNvPr>
@@ -7946,19 +7950,14 @@
             <p:ph type="title"/>
           </p:nvPr>
         </p:nvSpPr>
-        <p:spPr>
-          <a:xfrm>
-            <a:off x="1831086" y="155067"/>
-            <a:ext cx="7729728" cy="1188720"/>
-          </a:xfrm>
-        </p:spPr>
+        <p:spPr/>
         <p:txBody>
           <a:bodyPr/>
           <a:lstStyle/>
           <a:p>
             <a:r>
               <a:rPr lang="en-CA" dirty="0"/>
-              <a:t>Next Exercise – Bank account</a:t>
+              <a:t>Other keywords for fields </a:t>
             </a:r>
           </a:p>
         </p:txBody>
@@ -7968,7 +7967,7 @@
           <p:cNvPr id="3" name="Content Placeholder 2">
             <a:extLst>
               <a:ext uri="{FF2B5EF4-FFF2-40B4-BE49-F238E27FC236}">
-                <a16:creationId xmlns:a16="http://schemas.microsoft.com/office/drawing/2014/main" id="{FB9103F5-1E89-4FF2-9638-E3B157D79EA2}"/>
+                <a16:creationId xmlns:a16="http://schemas.microsoft.com/office/drawing/2014/main" id="{B8245ADC-B279-4DF4-A5C4-A6AF4ED427EC}"/>
               </a:ext>
             </a:extLst>
           </p:cNvPr>
@@ -7979,208 +7978,28 @@
             <p:ph idx="1"/>
           </p:nvPr>
         </p:nvSpPr>
-        <p:spPr>
-          <a:xfrm>
-            <a:off x="231059" y="1616583"/>
-            <a:ext cx="9751314" cy="5086350"/>
-          </a:xfrm>
-        </p:spPr>
-        <p:txBody>
-          <a:bodyPr>
-            <a:normAutofit fontScale="77500" lnSpcReduction="20000"/>
-          </a:bodyPr>
-          <a:lstStyle/>
-          <a:p>
-            <a:r>
-              <a:rPr lang="en-CA" dirty="0"/>
-              <a:t>Design a Bank Account Object </a:t>
-            </a:r>
-          </a:p>
-          <a:p>
-            <a:r>
-              <a:rPr lang="en-CA" dirty="0"/>
-              <a:t>Bank Accounts will need:</a:t>
+        <p:spPr/>
+        <p:txBody>
+          <a:bodyPr/>
+          <a:lstStyle/>
+          <a:p>
+            <a:r>
+              <a:rPr lang="en-CA" dirty="0"/>
+              <a:t>Static – For fields, associates value with a class</a:t>
+            </a:r>
+          </a:p>
+          <a:p>
+            <a:r>
+              <a:rPr lang="en-CA" dirty="0"/>
+              <a:t>Final – This value cannot be changed</a:t>
             </a:r>
           </a:p>
           <a:p>
             <a:pPr lvl="1"/>
             <a:r>
               <a:rPr lang="en-CA" dirty="0"/>
-              <a:t>Fields for:</a:t>
-            </a:r>
-          </a:p>
-          <a:p>
-            <a:pPr lvl="2"/>
-            <a:r>
-              <a:rPr lang="en-CA" dirty="0"/>
-              <a:t> A name string of the user</a:t>
-            </a:r>
-          </a:p>
-          <a:p>
-            <a:pPr lvl="2"/>
-            <a:r>
-              <a:rPr lang="en-CA" dirty="0"/>
-              <a:t>A password string for the user</a:t>
-            </a:r>
-          </a:p>
-          <a:p>
-            <a:pPr lvl="2"/>
-            <a:r>
-              <a:rPr lang="en-CA" dirty="0"/>
-              <a:t>A current amount that they own</a:t>
-            </a:r>
-          </a:p>
-          <a:p>
-            <a:pPr lvl="2"/>
-            <a:r>
-              <a:rPr lang="en-CA" dirty="0"/>
-              <a:t>A list of transactions for that user(you wouldn’t need to input this as part of the constructor, just create a new list when you create the object)</a:t>
-            </a:r>
-          </a:p>
-          <a:p>
-            <a:pPr lvl="1"/>
-            <a:r>
-              <a:rPr lang="en-CA" dirty="0"/>
-              <a:t>Methods for:</a:t>
-            </a:r>
-          </a:p>
-          <a:p>
-            <a:pPr lvl="2"/>
-            <a:r>
-              <a:rPr lang="en-CA" b="1" dirty="0" err="1"/>
-              <a:t>getAmount</a:t>
-            </a:r>
-            <a:r>
-              <a:rPr lang="en-CA" b="1" dirty="0"/>
-              <a:t> </a:t>
-            </a:r>
-            <a:r>
-              <a:rPr lang="en-CA" dirty="0"/>
-              <a:t>– input String password, returns the amount that a user owns, if they input in the right password and -1 if wrong password</a:t>
-            </a:r>
-          </a:p>
-          <a:p>
-            <a:pPr lvl="2"/>
-            <a:r>
-              <a:rPr lang="en-CA" b="1" dirty="0" err="1"/>
-              <a:t>getTransactions</a:t>
-            </a:r>
-            <a:r>
-              <a:rPr lang="en-CA" b="1" dirty="0"/>
-              <a:t> </a:t>
-            </a:r>
-            <a:r>
-              <a:rPr lang="en-CA" dirty="0"/>
-              <a:t>– input String password, returns the list of transactions that a user owns, if they input in the right password and return null if wrong password</a:t>
-            </a:r>
-          </a:p>
-          <a:p>
-            <a:pPr lvl="2"/>
-            <a:r>
-              <a:rPr lang="en-CA" b="1" dirty="0" err="1"/>
-              <a:t>makeDeposit</a:t>
-            </a:r>
-            <a:r>
-              <a:rPr lang="en-CA" dirty="0"/>
-              <a:t> – input an integer amount, and password, change the amount user owns and add the change to the transaction list, no change if wrong password</a:t>
-            </a:r>
-          </a:p>
-          <a:p>
-            <a:pPr lvl="2"/>
-            <a:r>
-              <a:rPr lang="en-CA" b="1" dirty="0" err="1"/>
-              <a:t>makeWithdrawal</a:t>
-            </a:r>
-            <a:r>
-              <a:rPr lang="en-CA" b="1" dirty="0"/>
-              <a:t> </a:t>
-            </a:r>
-            <a:r>
-              <a:rPr lang="en-CA" dirty="0"/>
-              <a:t>-  input an integer amount, and password, change the amount user owns and add the change to the transaction list(negative because withdrawal) , no change if wrong password</a:t>
-            </a:r>
-          </a:p>
-          <a:p>
-            <a:pPr lvl="2"/>
-            <a:r>
-              <a:rPr lang="en-CA" b="1" dirty="0" err="1"/>
-              <a:t>checkPassword</a:t>
-            </a:r>
-            <a:r>
-              <a:rPr lang="en-CA" b="1" dirty="0"/>
-              <a:t> </a:t>
-            </a:r>
-            <a:r>
-              <a:rPr lang="en-CA" dirty="0"/>
-              <a:t>– input password String , return true if correct for this account, false if not</a:t>
-            </a:r>
-            <a:r>
-              <a:rPr lang="en-CA" dirty="0">
-                <a:highlight>
-                  <a:srgbClr val="FF7C80"/>
-                </a:highlight>
-              </a:rPr>
-              <a:t>, this will only be used in the next method, so you can make it private since it wont be called outside of this class, and won’t be checked</a:t>
-            </a:r>
-          </a:p>
-          <a:p>
-            <a:pPr lvl="2"/>
-            <a:r>
-              <a:rPr lang="en-CA" b="1" dirty="0" err="1"/>
-              <a:t>makeTransfer</a:t>
-            </a:r>
-            <a:r>
-              <a:rPr lang="en-CA" b="1" dirty="0"/>
-              <a:t> – </a:t>
-            </a:r>
-            <a:r>
-              <a:rPr lang="en-CA" dirty="0"/>
-              <a:t>transfer money </a:t>
-            </a:r>
-            <a:r>
-              <a:rPr lang="en-CA" b="1" dirty="0"/>
-              <a:t>FROM</a:t>
-            </a:r>
-            <a:r>
-              <a:rPr lang="en-CA" dirty="0"/>
-              <a:t> user1, the one being called on</a:t>
-            </a:r>
-            <a:r>
-              <a:rPr lang="en-CA" b="1" dirty="0"/>
-              <a:t> ,TO </a:t>
-            </a:r>
-            <a:r>
-              <a:rPr lang="en-CA" dirty="0"/>
-              <a:t>user2</a:t>
-            </a:r>
-            <a:r>
-              <a:rPr lang="en-CA" b="1" dirty="0"/>
-              <a:t>. </a:t>
-            </a:r>
-            <a:r>
-              <a:rPr lang="en-CA" dirty="0"/>
-              <a:t>Input another </a:t>
-            </a:r>
-            <a:r>
-              <a:rPr lang="en-CA" dirty="0" err="1"/>
-              <a:t>BankAccount</a:t>
-            </a:r>
-            <a:r>
-              <a:rPr lang="en-CA" dirty="0"/>
-              <a:t> object for user 2, password for user 1, password for user 2, and an amount, no change if wrong password for either user</a:t>
-            </a:r>
-          </a:p>
-          <a:p>
-            <a:pPr lvl="2"/>
-            <a:endParaRPr lang="en-CA" dirty="0"/>
-          </a:p>
-          <a:p>
-            <a:pPr lvl="2"/>
-            <a:endParaRPr lang="en-CA" dirty="0"/>
-          </a:p>
-          <a:p>
-            <a:pPr lvl="3"/>
-            <a:endParaRPr lang="en-CA" dirty="0"/>
+              <a:t>Typically used for constants</a:t>
+            </a:r>
           </a:p>
           <a:p>
             <a:pPr lvl="1"/>
@@ -8191,7 +8010,7 @@
     </p:spTree>
     <p:extLst>
       <p:ext uri="{BB962C8B-B14F-4D97-AF65-F5344CB8AC3E}">
-        <p14:creationId xmlns:p14="http://schemas.microsoft.com/office/powerpoint/2010/main" val="746673785"/>
+        <p14:creationId xmlns:p14="http://schemas.microsoft.com/office/powerpoint/2010/main" val="2008842081"/>
       </p:ext>
     </p:extLst>
   </p:cSld>
@@ -8223,7 +8042,7 @@
           <p:cNvPr id="2" name="Title 1">
             <a:extLst>
               <a:ext uri="{FF2B5EF4-FFF2-40B4-BE49-F238E27FC236}">
-                <a16:creationId xmlns:a16="http://schemas.microsoft.com/office/drawing/2014/main" id="{512FAB03-3652-41D8-92FA-82D420F7010B}"/>
+                <a16:creationId xmlns:a16="http://schemas.microsoft.com/office/drawing/2014/main" id="{AB48E2D7-871C-439E-858D-FFAAA7DBDA2A}"/>
               </a:ext>
             </a:extLst>
           </p:cNvPr>
@@ -8236,7 +8055,7 @@
         </p:nvSpPr>
         <p:spPr>
           <a:xfrm>
-            <a:off x="2231136" y="419002"/>
+            <a:off x="1831086" y="155067"/>
             <a:ext cx="7729728" cy="1188720"/>
           </a:xfrm>
         </p:spPr>
@@ -8246,7 +8065,7 @@
           <a:p>
             <a:r>
               <a:rPr lang="en-CA" dirty="0"/>
-              <a:t>Tips</a:t>
+              <a:t>Next Exercise – Bank account</a:t>
             </a:r>
           </a:p>
         </p:txBody>
@@ -8256,7 +8075,7 @@
           <p:cNvPr id="3" name="Content Placeholder 2">
             <a:extLst>
               <a:ext uri="{FF2B5EF4-FFF2-40B4-BE49-F238E27FC236}">
-                <a16:creationId xmlns:a16="http://schemas.microsoft.com/office/drawing/2014/main" id="{09A05A6D-D182-44FB-9EE2-896FA2A9E943}"/>
+                <a16:creationId xmlns:a16="http://schemas.microsoft.com/office/drawing/2014/main" id="{FB9103F5-1E89-4FF2-9638-E3B157D79EA2}"/>
               </a:ext>
             </a:extLst>
           </p:cNvPr>
@@ -8269,95 +8088,227 @@
         </p:nvSpPr>
         <p:spPr>
           <a:xfrm>
-            <a:off x="1091381" y="1814052"/>
-            <a:ext cx="10382863" cy="4911214"/>
+            <a:off x="231059" y="1616583"/>
+            <a:ext cx="9751314" cy="5086350"/>
           </a:xfrm>
         </p:spPr>
         <p:txBody>
           <a:bodyPr>
-            <a:normAutofit lnSpcReduction="10000"/>
+            <a:normAutofit fontScale="70000" lnSpcReduction="20000"/>
           </a:bodyPr>
           <a:lstStyle/>
           <a:p>
             <a:r>
+              <a:rPr lang="en-CA" dirty="0"/>
+              <a:t>Design a Bank Account Object </a:t>
+            </a:r>
+          </a:p>
+          <a:p>
+            <a:r>
+              <a:rPr lang="en-CA" dirty="0"/>
+              <a:t>Bank Accounts will need:</a:t>
+            </a:r>
+          </a:p>
+          <a:p>
+            <a:pPr lvl="1"/>
+            <a:r>
+              <a:rPr lang="en-CA" dirty="0"/>
+              <a:t>Fields for:</a:t>
+            </a:r>
+          </a:p>
+          <a:p>
+            <a:pPr lvl="2"/>
+            <a:r>
+              <a:rPr lang="en-CA" dirty="0"/>
+              <a:t> A name string of the user</a:t>
+            </a:r>
+          </a:p>
+          <a:p>
+            <a:pPr lvl="2"/>
+            <a:r>
+              <a:rPr lang="en-CA" dirty="0"/>
+              <a:t>A password string for the user</a:t>
+            </a:r>
+          </a:p>
+          <a:p>
+            <a:pPr lvl="2"/>
+            <a:r>
+              <a:rPr lang="en-CA" dirty="0"/>
+              <a:t>A current amount that they own</a:t>
+            </a:r>
+          </a:p>
+          <a:p>
+            <a:pPr lvl="2"/>
+            <a:r>
+              <a:rPr lang="en-CA" dirty="0"/>
+              <a:t>A list of transactions for that user(you wouldn’t need to input this as part of the constructor, just create a new list when you create the object)</a:t>
+            </a:r>
+          </a:p>
+          <a:p>
+            <a:pPr lvl="2"/>
+            <a:r>
+              <a:rPr lang="en-CA" dirty="0"/>
+              <a:t>A unique ID for each account, use a static integer to keep track of this, starting at 0</a:t>
+            </a:r>
+          </a:p>
+          <a:p>
+            <a:pPr lvl="1"/>
+            <a:r>
+              <a:rPr lang="en-CA" dirty="0"/>
+              <a:t>Methods for:</a:t>
+            </a:r>
+          </a:p>
+          <a:p>
+            <a:pPr lvl="2"/>
+            <a:r>
+              <a:rPr lang="en-CA" b="1" dirty="0" err="1"/>
+              <a:t>getAmount</a:t>
+            </a:r>
+            <a:r>
               <a:rPr lang="en-CA" b="1" dirty="0"/>
-              <a:t>You can make a main function in the </a:t>
-            </a:r>
+              <a:t> </a:t>
+            </a:r>
+            <a:r>
+              <a:rPr lang="en-CA" dirty="0"/>
+              <a:t>– input String password, returns the amount that a user owns, if they input in the right password and -1 if wrong password</a:t>
+            </a:r>
+          </a:p>
+          <a:p>
+            <a:pPr lvl="2"/>
             <a:r>
               <a:rPr lang="en-CA" b="1" dirty="0" err="1"/>
-              <a:t>bankaccount</a:t>
+              <a:t>getTransactions</a:t>
             </a:r>
             <a:r>
               <a:rPr lang="en-CA" b="1" dirty="0"/>
-              <a:t> class to test with</a:t>
-            </a:r>
-          </a:p>
-          <a:p>
+              <a:t> </a:t>
+            </a:r>
+            <a:r>
+              <a:rPr lang="en-CA" dirty="0"/>
+              <a:t>– input String password, returns the list of transactions that a user owns, if they input in the right password and return null if wrong password</a:t>
+            </a:r>
+          </a:p>
+          <a:p>
+            <a:pPr lvl="2"/>
+            <a:r>
+              <a:rPr lang="en-CA" b="1" dirty="0" err="1"/>
+              <a:t>getID</a:t>
+            </a:r>
+            <a:r>
+              <a:rPr lang="en-CA" dirty="0"/>
+              <a:t> – input string password, returns id, -1 if </a:t>
+            </a:r>
+          </a:p>
+          <a:p>
+            <a:pPr lvl="2"/>
+            <a:r>
+              <a:rPr lang="en-CA" b="1" dirty="0" err="1"/>
+              <a:t>makeDeposit</a:t>
+            </a:r>
+            <a:r>
+              <a:rPr lang="en-CA" dirty="0"/>
+              <a:t> – input an integer amount, and password, change the amount user owns and add the change to the transaction list, no change if wrong password</a:t>
+            </a:r>
+          </a:p>
+          <a:p>
+            <a:pPr lvl="2"/>
+            <a:r>
+              <a:rPr lang="en-CA" b="1" dirty="0" err="1"/>
+              <a:t>makeWithdrawal</a:t>
+            </a:r>
             <a:r>
               <a:rPr lang="en-CA" b="1" dirty="0"/>
-              <a:t>Make sure that your methods match the names given so that my tests work!</a:t>
-            </a:r>
-          </a:p>
-          <a:p>
+              <a:t> </a:t>
+            </a:r>
+            <a:r>
+              <a:rPr lang="en-CA" dirty="0"/>
+              <a:t>-  input an integer amount, and password, change the amount user owns and add the change to the transaction list(negative because withdrawal) , no change if wrong password</a:t>
+            </a:r>
+          </a:p>
+          <a:p>
+            <a:pPr lvl="2"/>
+            <a:r>
+              <a:rPr lang="en-CA" b="1" dirty="0" err="1"/>
+              <a:t>checkPassword</a:t>
+            </a:r>
             <a:r>
               <a:rPr lang="en-CA" b="1" dirty="0"/>
-              <a:t>When comparing Strings use .equals() not == !</a:t>
-            </a:r>
-          </a:p>
-          <a:p>
+              <a:t> </a:t>
+            </a:r>
+            <a:r>
+              <a:rPr lang="en-CA" dirty="0"/>
+              <a:t>– input password String , return true if correct for this account, false if not</a:t>
+            </a:r>
+            <a:r>
+              <a:rPr lang="en-CA" dirty="0">
+                <a:highlight>
+                  <a:srgbClr val="FF7C80"/>
+                </a:highlight>
+              </a:rPr>
+              <a:t>, this will only be used in the next method, so you can make it private since it wont be called outside of this class, and won’t be checked</a:t>
+            </a:r>
+          </a:p>
+          <a:p>
+            <a:pPr lvl="2"/>
+            <a:r>
+              <a:rPr lang="en-CA" b="1" dirty="0" err="1"/>
+              <a:t>makeTransfer</a:t>
+            </a:r>
             <a:r>
               <a:rPr lang="en-CA" b="1" dirty="0"/>
-              <a:t>Think about why you are using private fields here, and why its important to limit access inside your objects</a:t>
-            </a:r>
-          </a:p>
-          <a:p>
+              <a:t> – </a:t>
+            </a:r>
+            <a:r>
+              <a:rPr lang="en-CA" dirty="0"/>
+              <a:t>transfer money </a:t>
+            </a:r>
             <a:r>
               <a:rPr lang="en-CA" b="1" dirty="0"/>
-              <a:t>Make sure to add to transactions List for transfers</a:t>
-            </a:r>
-          </a:p>
-          <a:p>
+              <a:t>FROM</a:t>
+            </a:r>
+            <a:r>
+              <a:rPr lang="en-CA" dirty="0"/>
+              <a:t> user1, the one being called on</a:t>
+            </a:r>
             <a:r>
               <a:rPr lang="en-CA" b="1" dirty="0"/>
-              <a:t>What happens if you input 1 correct password, and 1 wrong password?</a:t>
-            </a:r>
-          </a:p>
-          <a:p>
+              <a:t> ,TO </a:t>
+            </a:r>
+            <a:r>
+              <a:rPr lang="en-CA" dirty="0"/>
+              <a:t>user2</a:t>
+            </a:r>
             <a:r>
               <a:rPr lang="en-CA" b="1" dirty="0"/>
-              <a:t>If you get stuck, look at past code, or ask for help</a:t>
-            </a:r>
-          </a:p>
-          <a:p>
-            <a:endParaRPr lang="en-CA" b="1" dirty="0"/>
-          </a:p>
-          <a:p>
-            <a:r>
-              <a:rPr lang="en-CA" b="1" dirty="0"/>
-              <a:t>If you finish early, try expanding on your Bank Account Object, </a:t>
-            </a:r>
-          </a:p>
-          <a:p>
-            <a:r>
-              <a:rPr lang="en-CA" b="1" dirty="0"/>
-              <a:t>For example, “What would you do if the user made a withdrawal that makes their balance go negative?” or “How would you structure a Bank Object around this </a:t>
-            </a:r>
-            <a:r>
-              <a:rPr lang="en-CA" b="1" dirty="0" err="1"/>
+              <a:t>. </a:t>
+            </a:r>
+            <a:r>
+              <a:rPr lang="en-CA" dirty="0"/>
+              <a:t>Input another </a:t>
+            </a:r>
+            <a:r>
+              <a:rPr lang="en-CA" dirty="0" err="1"/>
               <a:t>BankAccount</a:t>
             </a:r>
             <a:r>
-              <a:rPr lang="en-CA" b="1" dirty="0"/>
-              <a:t> Object?”</a:t>
-            </a:r>
-          </a:p>
-          <a:p>
-            <a:r>
-              <a:rPr lang="en-CA" b="1" dirty="0"/>
-              <a:t> Doing this encourages you to think past just fulfilling my unit tests, and think about actually designing an object for yourself and what would improve this</a:t>
-            </a:r>
-          </a:p>
-          <a:p>
+              <a:rPr lang="en-CA" dirty="0"/>
+              <a:t> object for user 2, password for user 1, password for user 2, and an amount, no change if wrong password for either user</a:t>
+            </a:r>
+          </a:p>
+          <a:p>
+            <a:pPr lvl="2"/>
+            <a:endParaRPr lang="en-CA" dirty="0"/>
+          </a:p>
+          <a:p>
+            <a:pPr lvl="2"/>
+            <a:endParaRPr lang="en-CA" dirty="0"/>
+          </a:p>
+          <a:p>
+            <a:pPr lvl="3"/>
+            <a:endParaRPr lang="en-CA" dirty="0"/>
+          </a:p>
+          <a:p>
+            <a:pPr lvl="1"/>
             <a:endParaRPr lang="en-CA" dirty="0"/>
           </a:p>
         </p:txBody>
@@ -8365,7 +8316,7 @@
     </p:spTree>
     <p:extLst>
       <p:ext uri="{BB962C8B-B14F-4D97-AF65-F5344CB8AC3E}">
-        <p14:creationId xmlns:p14="http://schemas.microsoft.com/office/powerpoint/2010/main" val="549077705"/>
+        <p14:creationId xmlns:p14="http://schemas.microsoft.com/office/powerpoint/2010/main" val="746673785"/>
       </p:ext>
     </p:extLst>
   </p:cSld>
@@ -8397,7 +8348,7 @@
           <p:cNvPr id="2" name="Title 1">
             <a:extLst>
               <a:ext uri="{FF2B5EF4-FFF2-40B4-BE49-F238E27FC236}">
-                <a16:creationId xmlns:a16="http://schemas.microsoft.com/office/drawing/2014/main" id="{14B55DA7-C039-4C9B-A05C-0F440122F3A8}"/>
+                <a16:creationId xmlns:a16="http://schemas.microsoft.com/office/drawing/2014/main" id="{512FAB03-3652-41D8-92FA-82D420F7010B}"/>
               </a:ext>
             </a:extLst>
           </p:cNvPr>
@@ -8408,14 +8359,19 @@
             <p:ph type="title"/>
           </p:nvPr>
         </p:nvSpPr>
-        <p:spPr/>
+        <p:spPr>
+          <a:xfrm>
+            <a:off x="2231136" y="419002"/>
+            <a:ext cx="7729728" cy="1188720"/>
+          </a:xfrm>
+        </p:spPr>
         <p:txBody>
           <a:bodyPr/>
           <a:lstStyle/>
           <a:p>
             <a:r>
               <a:rPr lang="en-CA" dirty="0"/>
-              <a:t>Other keywords for fields </a:t>
+              <a:t>Tips</a:t>
             </a:r>
           </a:p>
         </p:txBody>
@@ -8425,7 +8381,7 @@
           <p:cNvPr id="3" name="Content Placeholder 2">
             <a:extLst>
               <a:ext uri="{FF2B5EF4-FFF2-40B4-BE49-F238E27FC236}">
-                <a16:creationId xmlns:a16="http://schemas.microsoft.com/office/drawing/2014/main" id="{B8245ADC-B279-4DF4-A5C4-A6AF4ED427EC}"/>
+                <a16:creationId xmlns:a16="http://schemas.microsoft.com/office/drawing/2014/main" id="{09A05A6D-D182-44FB-9EE2-896FA2A9E943}"/>
               </a:ext>
             </a:extLst>
           </p:cNvPr>
@@ -8436,31 +8392,97 @@
             <p:ph idx="1"/>
           </p:nvPr>
         </p:nvSpPr>
-        <p:spPr/>
-        <p:txBody>
-          <a:bodyPr/>
-          <a:lstStyle/>
-          <a:p>
-            <a:r>
-              <a:rPr lang="en-CA" dirty="0"/>
-              <a:t>Static – For fields, associates value with a class</a:t>
-            </a:r>
-          </a:p>
-          <a:p>
-            <a:r>
-              <a:rPr lang="en-CA" dirty="0"/>
-              <a:t>Final – This value cannot be changed</a:t>
-            </a:r>
-          </a:p>
-          <a:p>
-            <a:pPr lvl="1"/>
-            <a:r>
-              <a:rPr lang="en-CA" dirty="0"/>
-              <a:t>Typically used for constants</a:t>
-            </a:r>
-          </a:p>
-          <a:p>
-            <a:pPr lvl="1"/>
+        <p:spPr>
+          <a:xfrm>
+            <a:off x="1091381" y="1814052"/>
+            <a:ext cx="10382863" cy="4911214"/>
+          </a:xfrm>
+        </p:spPr>
+        <p:txBody>
+          <a:bodyPr>
+            <a:normAutofit lnSpcReduction="10000"/>
+          </a:bodyPr>
+          <a:lstStyle/>
+          <a:p>
+            <a:r>
+              <a:rPr lang="en-CA" b="1" dirty="0"/>
+              <a:t>You can make a main function in the </a:t>
+            </a:r>
+            <a:r>
+              <a:rPr lang="en-CA" b="1" dirty="0" err="1"/>
+              <a:t>bankaccount</a:t>
+            </a:r>
+            <a:r>
+              <a:rPr lang="en-CA" b="1" dirty="0"/>
+              <a:t> class to test with</a:t>
+            </a:r>
+          </a:p>
+          <a:p>
+            <a:r>
+              <a:rPr lang="en-CA" b="1" dirty="0"/>
+              <a:t>Make sure that your methods match the names given so that my tests work!</a:t>
+            </a:r>
+          </a:p>
+          <a:p>
+            <a:r>
+              <a:rPr lang="en-CA" b="1" dirty="0"/>
+              <a:t>When comparing Strings use .equals() not == !</a:t>
+            </a:r>
+          </a:p>
+          <a:p>
+            <a:r>
+              <a:rPr lang="en-CA" b="1" dirty="0"/>
+              <a:t>Think about why you are using private fields here, and why its important to limit access inside your objects</a:t>
+            </a:r>
+          </a:p>
+          <a:p>
+            <a:r>
+              <a:rPr lang="en-CA" b="1" dirty="0"/>
+              <a:t>Make sure to add to transactions List for transfers</a:t>
+            </a:r>
+          </a:p>
+          <a:p>
+            <a:r>
+              <a:rPr lang="en-CA" b="1" dirty="0"/>
+              <a:t>What happens if you input 1 correct password, and 1 wrong password?</a:t>
+            </a:r>
+          </a:p>
+          <a:p>
+            <a:r>
+              <a:rPr lang="en-CA" b="1" dirty="0"/>
+              <a:t>If you get stuck, look at past code, or ask for help</a:t>
+            </a:r>
+          </a:p>
+          <a:p>
+            <a:endParaRPr lang="en-CA" b="1" dirty="0"/>
+          </a:p>
+          <a:p>
+            <a:r>
+              <a:rPr lang="en-CA" b="1" dirty="0"/>
+              <a:t>If you finish early, try expanding on your Bank Account Object, </a:t>
+            </a:r>
+          </a:p>
+          <a:p>
+            <a:r>
+              <a:rPr lang="en-CA" b="1" dirty="0"/>
+              <a:t>For example, “What would you do if the user made a withdrawal that makes their balance go negative?” or “How would you structure a Bank Object around this </a:t>
+            </a:r>
+            <a:r>
+              <a:rPr lang="en-CA" b="1" dirty="0" err="1"/>
+              <a:t>BankAccount</a:t>
+            </a:r>
+            <a:r>
+              <a:rPr lang="en-CA" b="1" dirty="0"/>
+              <a:t> Object?”</a:t>
+            </a:r>
+          </a:p>
+          <a:p>
+            <a:r>
+              <a:rPr lang="en-CA" b="1" dirty="0"/>
+              <a:t> Doing this encourages you to think past just fulfilling my unit tests, and think about actually designing an object for yourself and what would improve this</a:t>
+            </a:r>
+          </a:p>
+          <a:p>
             <a:endParaRPr lang="en-CA" dirty="0"/>
           </a:p>
         </p:txBody>
@@ -8468,7 +8490,7 @@
     </p:spTree>
     <p:extLst>
       <p:ext uri="{BB962C8B-B14F-4D97-AF65-F5344CB8AC3E}">
-        <p14:creationId xmlns:p14="http://schemas.microsoft.com/office/powerpoint/2010/main" val="2008842081"/>
+        <p14:creationId xmlns:p14="http://schemas.microsoft.com/office/powerpoint/2010/main" val="549077705"/>
       </p:ext>
     </p:extLst>
   </p:cSld>
